--- a/_SLIDES/2020/H2- De basiconcepten van cs/H2_4_Expressies en operatorn.pptx
+++ b/_SLIDES/2020/H2- De basiconcepten van cs/H2_4_Expressies en operatorn.pptx
@@ -5,10 +5,10 @@
     <p:sldMasterId id="2147483684" r:id="rId1"/>
   </p:sldMasterIdLst>
   <p:notesMasterIdLst>
-    <p:notesMasterId r:id="rId19"/>
+    <p:notesMasterId r:id="rId20"/>
   </p:notesMasterIdLst>
   <p:handoutMasterIdLst>
-    <p:handoutMasterId r:id="rId20"/>
+    <p:handoutMasterId r:id="rId21"/>
   </p:handoutMasterIdLst>
   <p:sldIdLst>
     <p:sldId id="524" r:id="rId2"/>
@@ -28,34 +28,35 @@
     <p:sldId id="490" r:id="rId16"/>
     <p:sldId id="491" r:id="rId17"/>
     <p:sldId id="518" r:id="rId18"/>
+    <p:sldId id="259" r:id="rId19"/>
   </p:sldIdLst>
   <p:sldSz cx="12192000" cy="6858000"/>
   <p:notesSz cx="7099300" cy="10234613"/>
   <p:embeddedFontLst>
     <p:embeddedFont>
       <p:font typeface="Archivo Narrow" panose="020B0506020202020B04" pitchFamily="34" charset="0"/>
-      <p:regular r:id="rId21"/>
-      <p:bold r:id="rId22"/>
+      <p:regular r:id="rId22"/>
+      <p:bold r:id="rId23"/>
     </p:embeddedFont>
     <p:embeddedFont>
       <p:font typeface="Blogger Sans" panose="02000506030000020004" pitchFamily="50" charset="0"/>
-      <p:regular r:id="rId23"/>
-      <p:bold r:id="rId24"/>
-      <p:italic r:id="rId25"/>
+      <p:regular r:id="rId24"/>
+      <p:bold r:id="rId25"/>
+      <p:italic r:id="rId26"/>
     </p:embeddedFont>
     <p:embeddedFont>
       <p:font typeface="Calibri" panose="020F0502020204030204" pitchFamily="34" charset="0"/>
-      <p:regular r:id="rId26"/>
-      <p:bold r:id="rId27"/>
-      <p:italic r:id="rId28"/>
-      <p:boldItalic r:id="rId29"/>
+      <p:regular r:id="rId27"/>
+      <p:bold r:id="rId28"/>
+      <p:italic r:id="rId29"/>
+      <p:boldItalic r:id="rId30"/>
     </p:embeddedFont>
     <p:embeddedFont>
       <p:font typeface="Times" panose="02020603050405020304" pitchFamily="18" charset="0"/>
-      <p:regular r:id="rId30"/>
-      <p:bold r:id="rId31"/>
-      <p:italic r:id="rId32"/>
-      <p:boldItalic r:id="rId33"/>
+      <p:regular r:id="rId31"/>
+      <p:bold r:id="rId32"/>
+      <p:italic r:id="rId33"/>
+      <p:boldItalic r:id="rId34"/>
     </p:embeddedFont>
   </p:embeddedFontLst>
   <p:defaultTextStyle>
@@ -6320,7 +6321,7 @@
           <a:p>
             <a:fld id="{85EE1F57-E73E-475C-872F-886F27274373}" type="datetimeFigureOut">
               <a:rPr lang="nl-BE" smtClean="0"/>
-              <a:t>7/09/2020</a:t>
+              <a:t>10/09/2020</a:t>
             </a:fld>
             <a:endParaRPr lang="nl-BE"/>
           </a:p>
@@ -6485,7 +6486,7 @@
           <a:p>
             <a:fld id="{E0BBF532-A5DD-4E27-82A5-D972027CDA5D}" type="datetimeFigureOut">
               <a:rPr lang="nl-BE" smtClean="0"/>
-              <a:t>7/09/2020</a:t>
+              <a:t>10/09/2020</a:t>
             </a:fld>
             <a:endParaRPr lang="nl-BE"/>
           </a:p>
@@ -7008,7 +7009,7 @@
           <a:p>
             <a:fld id="{BCCA6142-F57B-48C8-97F4-E016AC358AB9}" type="datetime1">
               <a:rPr lang="nl-BE" smtClean="0"/>
-              <a:t>7/09/2020</a:t>
+              <a:t>10/09/2020</a:t>
             </a:fld>
             <a:endParaRPr lang="nl-BE" dirty="0"/>
           </a:p>
@@ -7305,7 +7306,7 @@
           <a:p>
             <a:fld id="{5FB9A890-CB95-4A02-8EA4-7544B08DB4E2}" type="datetime1">
               <a:rPr lang="nl-BE" smtClean="0"/>
-              <a:t>7/09/2020</a:t>
+              <a:t>10/09/2020</a:t>
             </a:fld>
             <a:endParaRPr lang="nl-BE"/>
           </a:p>
@@ -7518,7 +7519,7 @@
           <a:p>
             <a:fld id="{813D1D9F-4518-4980-9C0D-8EB7894ABDE4}" type="datetime1">
               <a:rPr lang="nl-BE" smtClean="0"/>
-              <a:t>7/09/2020</a:t>
+              <a:t>10/09/2020</a:t>
             </a:fld>
             <a:endParaRPr lang="nl-BE"/>
           </a:p>
@@ -7752,7 +7753,7 @@
           <a:p>
             <a:fld id="{62BF7167-EA82-4644-8F88-C53816572F96}" type="datetime1">
               <a:rPr lang="nl-BE" smtClean="0"/>
-              <a:t>7/09/2020</a:t>
+              <a:t>10/09/2020</a:t>
             </a:fld>
             <a:endParaRPr lang="nl-BE"/>
           </a:p>
@@ -8032,7 +8033,7 @@
           <a:p>
             <a:fld id="{FC393B68-E771-4EAB-BD5A-988B3BCEC1C4}" type="datetime1">
               <a:rPr lang="nl-BE" smtClean="0"/>
-              <a:t>7/09/2020</a:t>
+              <a:t>10/09/2020</a:t>
             </a:fld>
             <a:endParaRPr lang="nl-BE"/>
           </a:p>
@@ -8303,7 +8304,7 @@
           <a:p>
             <a:fld id="{3FA1FA05-B5D2-497F-81AB-0906CD7F230B}" type="datetime1">
               <a:rPr lang="nl-BE" smtClean="0"/>
-              <a:t>7/09/2020</a:t>
+              <a:t>10/09/2020</a:t>
             </a:fld>
             <a:endParaRPr lang="nl-BE"/>
           </a:p>
@@ -8721,7 +8722,7 @@
           <a:p>
             <a:fld id="{05261B88-F79F-4529-821E-344A934E6946}" type="datetime1">
               <a:rPr lang="nl-BE" smtClean="0"/>
-              <a:t>7/09/2020</a:t>
+              <a:t>10/09/2020</a:t>
             </a:fld>
             <a:endParaRPr lang="nl-BE"/>
           </a:p>
@@ -8866,7 +8867,7 @@
           <a:p>
             <a:fld id="{9D36FFD9-A9CE-4423-9581-2A56F0092606}" type="datetime1">
               <a:rPr lang="nl-BE" smtClean="0"/>
-              <a:t>7/09/2020</a:t>
+              <a:t>10/09/2020</a:t>
             </a:fld>
             <a:endParaRPr lang="nl-BE"/>
           </a:p>
@@ -9105,7 +9106,7 @@
           <a:p>
             <a:fld id="{7896331C-B12C-4B5E-A588-AEBE791B8080}" type="datetime1">
               <a:rPr lang="nl-BE" smtClean="0"/>
-              <a:t>7/09/2020</a:t>
+              <a:t>10/09/2020</a:t>
             </a:fld>
             <a:endParaRPr lang="nl-BE"/>
           </a:p>
@@ -9421,7 +9422,7 @@
           <a:p>
             <a:fld id="{CDDA2E80-F5AF-4838-8E2B-93B8353DFA07}" type="datetime1">
               <a:rPr lang="nl-BE" smtClean="0"/>
-              <a:t>7/09/2020</a:t>
+              <a:t>10/09/2020</a:t>
             </a:fld>
             <a:endParaRPr lang="nl-BE"/>
           </a:p>
@@ -9717,7 +9718,7 @@
           <a:p>
             <a:fld id="{2D0660AB-DEF8-4F0D-B084-808191304D25}" type="datetime1">
               <a:rPr lang="nl-BE" smtClean="0"/>
-              <a:t>7/09/2020</a:t>
+              <a:t>10/09/2020</a:t>
             </a:fld>
             <a:endParaRPr lang="nl-BE"/>
           </a:p>
@@ -9963,7 +9964,7 @@
           <a:p>
             <a:fld id="{A671A349-F1E9-4BB9-BDF1-40D376A3D129}" type="datetime1">
               <a:rPr lang="nl-BE" smtClean="0"/>
-              <a:t>7/09/2020</a:t>
+              <a:t>10/09/2020</a:t>
             </a:fld>
             <a:endParaRPr lang="nl-BE"/>
           </a:p>
@@ -10524,9 +10525,34 @@
           <a:lstStyle/>
           <a:p>
             <a:r>
-              <a:rPr lang="nl-BE" dirty="0"/>
-              <a:t>H1. De basisconcepten van C#</a:t>
-            </a:r>
+              <a:rPr lang="nl-BE" dirty="0">
+                <a:solidFill>
+                  <a:srgbClr val="FFFFFF"/>
+                </a:solidFill>
+              </a:rPr>
+              <a:t>H2 -  De </a:t>
+            </a:r>
+            <a:r>
+              <a:rPr lang="nl-BE" dirty="0" err="1">
+                <a:solidFill>
+                  <a:srgbClr val="FFFFFF"/>
+                </a:solidFill>
+              </a:rPr>
+              <a:t>basiconcepten</a:t>
+            </a:r>
+            <a:r>
+              <a:rPr lang="nl-BE">
+                <a:solidFill>
+                  <a:srgbClr val="FFFFFF"/>
+                </a:solidFill>
+              </a:rPr>
+              <a:t> van C#</a:t>
+            </a:r>
+            <a:endParaRPr lang="nl-BE" dirty="0">
+              <a:solidFill>
+                <a:srgbClr val="FFFFFF"/>
+              </a:solidFill>
+            </a:endParaRPr>
           </a:p>
         </p:txBody>
       </p:sp>
@@ -12381,7 +12407,7 @@
         <p:spPr>
           <a:xfrm>
             <a:off x="4976031" y="963877"/>
-            <a:ext cx="6377769" cy="4930246"/>
+            <a:ext cx="6952617" cy="4930246"/>
           </a:xfrm>
         </p:spPr>
         <p:txBody>
@@ -12493,6 +12519,33 @@
             <a:endParaRPr lang="en-IE" sz="2400" dirty="0"/>
           </a:p>
           <a:p>
+            <a:r>
+              <a:rPr lang="en-IE" sz="2400" dirty="0"/>
+              <a:t>Identifier Meestal in all caps en underscore </a:t>
+            </a:r>
+            <a:r>
+              <a:rPr lang="en-IE" sz="2400" dirty="0" err="1"/>
+              <a:t>tussen</a:t>
+            </a:r>
+            <a:r>
+              <a:rPr lang="en-IE" sz="2400" dirty="0"/>
+              <a:t> de </a:t>
+            </a:r>
+            <a:r>
+              <a:rPr lang="en-IE" sz="2400" dirty="0" err="1"/>
+              <a:t>aparte</a:t>
+            </a:r>
+            <a:r>
+              <a:rPr lang="en-IE" sz="2400" dirty="0"/>
+              <a:t> </a:t>
+            </a:r>
+            <a:r>
+              <a:rPr lang="en-IE" sz="2400" dirty="0" err="1"/>
+              <a:t>woorden</a:t>
+            </a:r>
+            <a:endParaRPr lang="en-IE" sz="2400" dirty="0"/>
+          </a:p>
+          <a:p>
             <a:endParaRPr lang="en-IE" sz="2400" dirty="0"/>
           </a:p>
           <a:p>
@@ -12517,21 +12570,7 @@
                 <a:latin typeface="Courier New" panose="02070309020205020404" pitchFamily="49" charset="0"/>
                 <a:cs typeface="Courier New" panose="02070309020205020404" pitchFamily="49" charset="0"/>
               </a:rPr>
-              <a:t> double </a:t>
-            </a:r>
-            <a:r>
-              <a:rPr lang="en-IE" dirty="0" err="1">
-                <a:latin typeface="Courier New" panose="02070309020205020404" pitchFamily="49" charset="0"/>
-                <a:cs typeface="Courier New" panose="02070309020205020404" pitchFamily="49" charset="0"/>
-              </a:rPr>
-              <a:t>maxTemp</a:t>
-            </a:r>
-            <a:r>
-              <a:rPr lang="en-IE" dirty="0">
-                <a:latin typeface="Courier New" panose="02070309020205020404" pitchFamily="49" charset="0"/>
-                <a:cs typeface="Courier New" panose="02070309020205020404" pitchFamily="49" charset="0"/>
-              </a:rPr>
-              <a:t>= 100.5;</a:t>
+              <a:t> double MAX_TEMP= 100.5;</a:t>
             </a:r>
           </a:p>
           <a:p>
@@ -12810,6 +12849,358 @@
   <p:clrMapOvr>
     <a:masterClrMapping/>
   </p:clrMapOvr>
+</p:sld>
+</file>
+
+<file path=ppt/slides/slide18.xml><?xml version="1.0" encoding="utf-8"?>
+<p:sld xmlns:a="http://schemas.openxmlformats.org/drawingml/2006/main" xmlns:r="http://schemas.openxmlformats.org/officeDocument/2006/relationships" xmlns:p="http://schemas.openxmlformats.org/presentationml/2006/main">
+  <p:cSld>
+    <p:spTree>
+      <p:nvGrpSpPr>
+        <p:cNvPr id="1" name=""/>
+        <p:cNvGrpSpPr/>
+        <p:nvPr/>
+      </p:nvGrpSpPr>
+      <p:grpSpPr>
+        <a:xfrm>
+          <a:off x="0" y="0"/>
+          <a:ext cx="0" cy="0"/>
+          <a:chOff x="0" y="0"/>
+          <a:chExt cx="0" cy="0"/>
+        </a:xfrm>
+      </p:grpSpPr>
+      <p:sp>
+        <p:nvSpPr>
+          <p:cNvPr id="2" name="Titel 1">
+            <a:extLst>
+              <a:ext uri="{FF2B5EF4-FFF2-40B4-BE49-F238E27FC236}">
+                <a16:creationId xmlns:a16="http://schemas.microsoft.com/office/drawing/2014/main" id="{DEA37EB1-D991-4BD1-B2A4-3FAA24191CB2}"/>
+              </a:ext>
+            </a:extLst>
+          </p:cNvPr>
+          <p:cNvSpPr>
+            <a:spLocks noGrp="1"/>
+          </p:cNvSpPr>
+          <p:nvPr>
+            <p:ph type="title"/>
+          </p:nvPr>
+        </p:nvSpPr>
+        <p:spPr/>
+        <p:txBody>
+          <a:bodyPr/>
+          <a:lstStyle/>
+          <a:p>
+            <a:r>
+              <a:rPr lang="nl-BE" dirty="0"/>
+              <a:t>Demo time</a:t>
+            </a:r>
+          </a:p>
+        </p:txBody>
+      </p:sp>
+      <p:sp>
+        <p:nvSpPr>
+          <p:cNvPr id="3" name="Tijdelijke aanduiding voor inhoud 2">
+            <a:extLst>
+              <a:ext uri="{FF2B5EF4-FFF2-40B4-BE49-F238E27FC236}">
+                <a16:creationId xmlns:a16="http://schemas.microsoft.com/office/drawing/2014/main" id="{0C497EC5-0E53-451E-9A6A-6A7435CDBDF4}"/>
+              </a:ext>
+            </a:extLst>
+          </p:cNvPr>
+          <p:cNvSpPr>
+            <a:spLocks noGrp="1"/>
+          </p:cNvSpPr>
+          <p:nvPr>
+            <p:ph idx="1"/>
+          </p:nvPr>
+        </p:nvSpPr>
+        <p:spPr/>
+        <p:txBody>
+          <a:bodyPr/>
+          <a:lstStyle/>
+          <a:p>
+            <a:r>
+              <a:rPr lang="nl-BE" dirty="0"/>
+              <a:t>Expressies</a:t>
+            </a:r>
+          </a:p>
+          <a:p>
+            <a:r>
+              <a:rPr lang="nl-BE" dirty="0"/>
+              <a:t>Waarden omwisselen</a:t>
+            </a:r>
+          </a:p>
+          <a:p>
+            <a:r>
+              <a:rPr lang="nl-BE"/>
+              <a:t>Waarde verhogen</a:t>
+            </a:r>
+            <a:endParaRPr lang="nl-BE" dirty="0"/>
+          </a:p>
+          <a:p>
+            <a:r>
+              <a:rPr lang="nl-BE" dirty="0" err="1"/>
+              <a:t>Const</a:t>
+            </a:r>
+            <a:endParaRPr lang="nl-BE" dirty="0"/>
+          </a:p>
+          <a:p>
+            <a:r>
+              <a:rPr lang="nl-BE" dirty="0"/>
+              <a:t>Expressie resultaten</a:t>
+            </a:r>
+          </a:p>
+          <a:p>
+            <a:endParaRPr lang="nl-BE" dirty="0"/>
+          </a:p>
+          <a:p>
+            <a:endParaRPr lang="nl-BE" dirty="0"/>
+          </a:p>
+        </p:txBody>
+      </p:sp>
+      <p:sp>
+        <p:nvSpPr>
+          <p:cNvPr id="4" name="Tijdelijke aanduiding voor voettekst 3">
+            <a:extLst>
+              <a:ext uri="{FF2B5EF4-FFF2-40B4-BE49-F238E27FC236}">
+                <a16:creationId xmlns:a16="http://schemas.microsoft.com/office/drawing/2014/main" id="{D096920B-D69A-472B-950F-3005BC5B29F5}"/>
+              </a:ext>
+            </a:extLst>
+          </p:cNvPr>
+          <p:cNvSpPr>
+            <a:spLocks noGrp="1"/>
+          </p:cNvSpPr>
+          <p:nvPr>
+            <p:ph type="ftr" sz="quarter" idx="11"/>
+          </p:nvPr>
+        </p:nvSpPr>
+        <p:spPr/>
+        <p:txBody>
+          <a:bodyPr/>
+          <a:lstStyle/>
+          <a:p>
+            <a:r>
+              <a:rPr lang="nl-BE"/>
+              <a:t>Zie scherp</a:t>
+            </a:r>
+            <a:endParaRPr lang="nl-BE" dirty="0"/>
+          </a:p>
+        </p:txBody>
+      </p:sp>
+      <p:pic>
+        <p:nvPicPr>
+          <p:cNvPr id="2050" name="Picture 2">
+            <a:extLst>
+              <a:ext uri="{FF2B5EF4-FFF2-40B4-BE49-F238E27FC236}">
+                <a16:creationId xmlns:a16="http://schemas.microsoft.com/office/drawing/2014/main" id="{10ACCB77-444E-4CE2-8971-A6B218E6DB4A}"/>
+              </a:ext>
+            </a:extLst>
+          </p:cNvPr>
+          <p:cNvPicPr>
+            <a:picLocks noChangeAspect="1" noChangeArrowheads="1"/>
+          </p:cNvPicPr>
+          <p:nvPr/>
+        </p:nvPicPr>
+        <p:blipFill>
+          <a:blip r:embed="rId2">
+            <a:extLst>
+              <a:ext uri="{28A0092B-C50C-407E-A947-70E740481C1C}">
+                <a14:useLocalDpi xmlns:a14="http://schemas.microsoft.com/office/drawing/2010/main" val="0"/>
+              </a:ext>
+            </a:extLst>
+          </a:blip>
+          <a:srcRect/>
+          <a:stretch>
+            <a:fillRect/>
+          </a:stretch>
+        </p:blipFill>
+        <p:spPr bwMode="auto">
+          <a:xfrm>
+            <a:off x="6494388" y="-353661"/>
+            <a:ext cx="5088012" cy="7565321"/>
+          </a:xfrm>
+          <a:prstGeom prst="rect">
+            <a:avLst/>
+          </a:prstGeom>
+          <a:noFill/>
+          <a:extLst>
+            <a:ext uri="{909E8E84-426E-40DD-AFC4-6F175D3DCCD1}">
+              <a14:hiddenFill xmlns:a14="http://schemas.microsoft.com/office/drawing/2010/main">
+                <a:solidFill>
+                  <a:srgbClr val="FFFFFF"/>
+                </a:solidFill>
+              </a14:hiddenFill>
+            </a:ext>
+          </a:extLst>
+        </p:spPr>
+      </p:pic>
+      <p:sp>
+        <p:nvSpPr>
+          <p:cNvPr id="6" name="Tijdelijke aanduiding voor dianummer 5">
+            <a:extLst>
+              <a:ext uri="{FF2B5EF4-FFF2-40B4-BE49-F238E27FC236}">
+                <a16:creationId xmlns:a16="http://schemas.microsoft.com/office/drawing/2014/main" id="{4C2D247D-CB46-42C2-BD5D-0E3892A4FBC5}"/>
+              </a:ext>
+            </a:extLst>
+          </p:cNvPr>
+          <p:cNvSpPr>
+            <a:spLocks noGrp="1"/>
+          </p:cNvSpPr>
+          <p:nvPr>
+            <p:ph type="sldNum" sz="quarter" idx="12"/>
+          </p:nvPr>
+        </p:nvSpPr>
+        <p:spPr/>
+        <p:txBody>
+          <a:bodyPr/>
+          <a:lstStyle/>
+          <a:p>
+            <a:fld id="{E8A62353-F7CD-46ED-8877-B27D0E33FCF8}" type="slidenum">
+              <a:rPr lang="nl-BE" smtClean="0"/>
+              <a:t>18</a:t>
+            </a:fld>
+            <a:endParaRPr lang="nl-BE"/>
+          </a:p>
+        </p:txBody>
+      </p:sp>
+    </p:spTree>
+    <p:extLst>
+      <p:ext uri="{BB962C8B-B14F-4D97-AF65-F5344CB8AC3E}">
+        <p14:creationId xmlns:p14="http://schemas.microsoft.com/office/powerpoint/2010/main" val="4096004467"/>
+      </p:ext>
+    </p:extLst>
+  </p:cSld>
+  <p:clrMapOvr>
+    <a:masterClrMapping/>
+  </p:clrMapOvr>
+  <p:timing>
+    <p:tnLst>
+      <p:par>
+        <p:cTn id="1" dur="indefinite" restart="never" nodeType="tmRoot">
+          <p:childTnLst>
+            <p:seq concurrent="1" nextAc="seek">
+              <p:cTn id="2" dur="indefinite" nodeType="mainSeq">
+                <p:childTnLst>
+                  <p:par>
+                    <p:cTn id="3" fill="hold">
+                      <p:stCondLst>
+                        <p:cond delay="indefinite"/>
+                      </p:stCondLst>
+                      <p:childTnLst>
+                        <p:par>
+                          <p:cTn id="4" fill="hold">
+                            <p:stCondLst>
+                              <p:cond delay="0"/>
+                            </p:stCondLst>
+                            <p:childTnLst>
+                              <p:par>
+                                <p:cTn id="5" presetID="45" presetClass="entr" presetSubtype="0" fill="hold" nodeType="clickEffect">
+                                  <p:stCondLst>
+                                    <p:cond delay="0"/>
+                                  </p:stCondLst>
+                                  <p:childTnLst>
+                                    <p:set>
+                                      <p:cBhvr>
+                                        <p:cTn id="6" dur="1" fill="hold">
+                                          <p:stCondLst>
+                                            <p:cond delay="0"/>
+                                          </p:stCondLst>
+                                        </p:cTn>
+                                        <p:tgtEl>
+                                          <p:spTgt spid="2050"/>
+                                        </p:tgtEl>
+                                        <p:attrNameLst>
+                                          <p:attrName>style.visibility</p:attrName>
+                                        </p:attrNameLst>
+                                      </p:cBhvr>
+                                      <p:to>
+                                        <p:strVal val="visible"/>
+                                      </p:to>
+                                    </p:set>
+                                    <p:animEffect transition="in" filter="fade">
+                                      <p:cBhvr>
+                                        <p:cTn id="7" dur="2000"/>
+                                        <p:tgtEl>
+                                          <p:spTgt spid="2050"/>
+                                        </p:tgtEl>
+                                      </p:cBhvr>
+                                    </p:animEffect>
+                                    <p:anim calcmode="lin" valueType="num">
+                                      <p:cBhvr>
+                                        <p:cTn id="8" dur="2000" fill="hold"/>
+                                        <p:tgtEl>
+                                          <p:spTgt spid="2050"/>
+                                        </p:tgtEl>
+                                        <p:attrNameLst>
+                                          <p:attrName>ppt_w</p:attrName>
+                                        </p:attrNameLst>
+                                      </p:cBhvr>
+                                      <p:tavLst>
+                                        <p:tav tm="0" fmla="#ppt_w*sin(2.5*pi*$)">
+                                          <p:val>
+                                            <p:fltVal val="0"/>
+                                          </p:val>
+                                        </p:tav>
+                                        <p:tav tm="100000">
+                                          <p:val>
+                                            <p:fltVal val="1"/>
+                                          </p:val>
+                                        </p:tav>
+                                      </p:tavLst>
+                                    </p:anim>
+                                    <p:anim calcmode="lin" valueType="num">
+                                      <p:cBhvr>
+                                        <p:cTn id="9" dur="2000" fill="hold"/>
+                                        <p:tgtEl>
+                                          <p:spTgt spid="2050"/>
+                                        </p:tgtEl>
+                                        <p:attrNameLst>
+                                          <p:attrName>ppt_h</p:attrName>
+                                        </p:attrNameLst>
+                                      </p:cBhvr>
+                                      <p:tavLst>
+                                        <p:tav tm="0">
+                                          <p:val>
+                                            <p:strVal val="#ppt_h"/>
+                                          </p:val>
+                                        </p:tav>
+                                        <p:tav tm="100000">
+                                          <p:val>
+                                            <p:strVal val="#ppt_h"/>
+                                          </p:val>
+                                        </p:tav>
+                                      </p:tavLst>
+                                    </p:anim>
+                                  </p:childTnLst>
+                                </p:cTn>
+                              </p:par>
+                            </p:childTnLst>
+                          </p:cTn>
+                        </p:par>
+                      </p:childTnLst>
+                    </p:cTn>
+                  </p:par>
+                </p:childTnLst>
+              </p:cTn>
+              <p:prevCondLst>
+                <p:cond evt="onPrev" delay="0">
+                  <p:tgtEl>
+                    <p:sldTgt/>
+                  </p:tgtEl>
+                </p:cond>
+              </p:prevCondLst>
+              <p:nextCondLst>
+                <p:cond evt="onNext" delay="0">
+                  <p:tgtEl>
+                    <p:sldTgt/>
+                  </p:tgtEl>
+                </p:cond>
+              </p:nextCondLst>
+            </p:seq>
+          </p:childTnLst>
+        </p:cTn>
+      </p:par>
+    </p:tnLst>
+  </p:timing>
 </p:sld>
 </file>
 
@@ -14741,11 +15132,7 @@
           <a:p>
             <a:pPr algn="ctr"/>
             <a:r>
-              <a:rPr lang="nl-BE" sz="2800">
-                <a:solidFill>
-                  <a:schemeClr val="bg1"/>
-                </a:solidFill>
-              </a:rPr>
+              <a:rPr lang="nl-BE" sz="2800"/>
               <a:t>Typisch gebruik van modulo-operator</a:t>
             </a:r>
           </a:p>

--- a/_SLIDES/2020/H2- De basiconcepten van cs/H2_4_Expressies en operatorn.pptx
+++ b/_SLIDES/2020/H2- De basiconcepten van cs/H2_4_Expressies en operatorn.pptx
@@ -37,26 +37,27 @@
       <p:font typeface="Archivo Narrow" panose="020B0506020202020B04" pitchFamily="34" charset="0"/>
       <p:regular r:id="rId22"/>
       <p:bold r:id="rId23"/>
+      <p:italic r:id="rId24"/>
     </p:embeddedFont>
     <p:embeddedFont>
       <p:font typeface="Blogger Sans" panose="02000506030000020004" pitchFamily="50" charset="0"/>
-      <p:regular r:id="rId24"/>
-      <p:bold r:id="rId25"/>
-      <p:italic r:id="rId26"/>
+      <p:regular r:id="rId25"/>
+      <p:bold r:id="rId26"/>
+      <p:italic r:id="rId27"/>
     </p:embeddedFont>
     <p:embeddedFont>
       <p:font typeface="Calibri" panose="020F0502020204030204" pitchFamily="34" charset="0"/>
-      <p:regular r:id="rId27"/>
-      <p:bold r:id="rId28"/>
-      <p:italic r:id="rId29"/>
-      <p:boldItalic r:id="rId30"/>
+      <p:regular r:id="rId28"/>
+      <p:bold r:id="rId29"/>
+      <p:italic r:id="rId30"/>
+      <p:boldItalic r:id="rId31"/>
     </p:embeddedFont>
     <p:embeddedFont>
       <p:font typeface="Times" panose="02020603050405020304" pitchFamily="18" charset="0"/>
-      <p:regular r:id="rId31"/>
-      <p:bold r:id="rId32"/>
-      <p:italic r:id="rId33"/>
-      <p:boldItalic r:id="rId34"/>
+      <p:regular r:id="rId32"/>
+      <p:bold r:id="rId33"/>
+      <p:italic r:id="rId34"/>
+      <p:boldItalic r:id="rId35"/>
     </p:embeddedFont>
   </p:embeddedFontLst>
   <p:defaultTextStyle>
@@ -6321,7 +6322,7 @@
           <a:p>
             <a:fld id="{85EE1F57-E73E-475C-872F-886F27274373}" type="datetimeFigureOut">
               <a:rPr lang="nl-BE" smtClean="0"/>
-              <a:t>10/09/2020</a:t>
+              <a:t>18/09/2020</a:t>
             </a:fld>
             <a:endParaRPr lang="nl-BE"/>
           </a:p>
@@ -6486,7 +6487,7 @@
           <a:p>
             <a:fld id="{E0BBF532-A5DD-4E27-82A5-D972027CDA5D}" type="datetimeFigureOut">
               <a:rPr lang="nl-BE" smtClean="0"/>
-              <a:t>10/09/2020</a:t>
+              <a:t>18/09/2020</a:t>
             </a:fld>
             <a:endParaRPr lang="nl-BE"/>
           </a:p>
@@ -7009,7 +7010,7 @@
           <a:p>
             <a:fld id="{BCCA6142-F57B-48C8-97F4-E016AC358AB9}" type="datetime1">
               <a:rPr lang="nl-BE" smtClean="0"/>
-              <a:t>10/09/2020</a:t>
+              <a:t>18/09/2020</a:t>
             </a:fld>
             <a:endParaRPr lang="nl-BE" dirty="0"/>
           </a:p>
@@ -7306,7 +7307,7 @@
           <a:p>
             <a:fld id="{5FB9A890-CB95-4A02-8EA4-7544B08DB4E2}" type="datetime1">
               <a:rPr lang="nl-BE" smtClean="0"/>
-              <a:t>10/09/2020</a:t>
+              <a:t>18/09/2020</a:t>
             </a:fld>
             <a:endParaRPr lang="nl-BE"/>
           </a:p>
@@ -7519,7 +7520,7 @@
           <a:p>
             <a:fld id="{813D1D9F-4518-4980-9C0D-8EB7894ABDE4}" type="datetime1">
               <a:rPr lang="nl-BE" smtClean="0"/>
-              <a:t>10/09/2020</a:t>
+              <a:t>18/09/2020</a:t>
             </a:fld>
             <a:endParaRPr lang="nl-BE"/>
           </a:p>
@@ -7753,7 +7754,7 @@
           <a:p>
             <a:fld id="{62BF7167-EA82-4644-8F88-C53816572F96}" type="datetime1">
               <a:rPr lang="nl-BE" smtClean="0"/>
-              <a:t>10/09/2020</a:t>
+              <a:t>18/09/2020</a:t>
             </a:fld>
             <a:endParaRPr lang="nl-BE"/>
           </a:p>
@@ -8033,7 +8034,7 @@
           <a:p>
             <a:fld id="{FC393B68-E771-4EAB-BD5A-988B3BCEC1C4}" type="datetime1">
               <a:rPr lang="nl-BE" smtClean="0"/>
-              <a:t>10/09/2020</a:t>
+              <a:t>18/09/2020</a:t>
             </a:fld>
             <a:endParaRPr lang="nl-BE"/>
           </a:p>
@@ -8304,7 +8305,7 @@
           <a:p>
             <a:fld id="{3FA1FA05-B5D2-497F-81AB-0906CD7F230B}" type="datetime1">
               <a:rPr lang="nl-BE" smtClean="0"/>
-              <a:t>10/09/2020</a:t>
+              <a:t>18/09/2020</a:t>
             </a:fld>
             <a:endParaRPr lang="nl-BE"/>
           </a:p>
@@ -8722,7 +8723,7 @@
           <a:p>
             <a:fld id="{05261B88-F79F-4529-821E-344A934E6946}" type="datetime1">
               <a:rPr lang="nl-BE" smtClean="0"/>
-              <a:t>10/09/2020</a:t>
+              <a:t>18/09/2020</a:t>
             </a:fld>
             <a:endParaRPr lang="nl-BE"/>
           </a:p>
@@ -8867,7 +8868,7 @@
           <a:p>
             <a:fld id="{9D36FFD9-A9CE-4423-9581-2A56F0092606}" type="datetime1">
               <a:rPr lang="nl-BE" smtClean="0"/>
-              <a:t>10/09/2020</a:t>
+              <a:t>18/09/2020</a:t>
             </a:fld>
             <a:endParaRPr lang="nl-BE"/>
           </a:p>
@@ -9106,7 +9107,7 @@
           <a:p>
             <a:fld id="{7896331C-B12C-4B5E-A588-AEBE791B8080}" type="datetime1">
               <a:rPr lang="nl-BE" smtClean="0"/>
-              <a:t>10/09/2020</a:t>
+              <a:t>18/09/2020</a:t>
             </a:fld>
             <a:endParaRPr lang="nl-BE"/>
           </a:p>
@@ -9422,7 +9423,7 @@
           <a:p>
             <a:fld id="{CDDA2E80-F5AF-4838-8E2B-93B8353DFA07}" type="datetime1">
               <a:rPr lang="nl-BE" smtClean="0"/>
-              <a:t>10/09/2020</a:t>
+              <a:t>18/09/2020</a:t>
             </a:fld>
             <a:endParaRPr lang="nl-BE"/>
           </a:p>
@@ -9718,7 +9719,7 @@
           <a:p>
             <a:fld id="{2D0660AB-DEF8-4F0D-B084-808191304D25}" type="datetime1">
               <a:rPr lang="nl-BE" smtClean="0"/>
-              <a:t>10/09/2020</a:t>
+              <a:t>18/09/2020</a:t>
             </a:fld>
             <a:endParaRPr lang="nl-BE"/>
           </a:p>
@@ -9964,7 +9965,7 @@
           <a:p>
             <a:fld id="{A671A349-F1E9-4BB9-BDF1-40D376A3D129}" type="datetime1">
               <a:rPr lang="nl-BE" smtClean="0"/>
-              <a:t>10/09/2020</a:t>
+              <a:t>18/09/2020</a:t>
             </a:fld>
             <a:endParaRPr lang="nl-BE"/>
           </a:p>
@@ -12640,16 +12641,26 @@
           <a:p>
             <a:pPr algn="ctr"/>
             <a:r>
-              <a:rPr lang="en-US" sz="3200" kern="1200">
-                <a:solidFill>
-                  <a:schemeClr val="bg1"/>
-                </a:solidFill>
+              <a:rPr lang="en-US" sz="3200" kern="1200" dirty="0">
                 <a:latin typeface="+mj-lt"/>
                 <a:ea typeface="+mj-ea"/>
                 <a:cs typeface="+mj-cs"/>
               </a:rPr>
-              <a:t>const voorbeelden</a:t>
-            </a:r>
+              <a:t>const </a:t>
+            </a:r>
+            <a:r>
+              <a:rPr lang="en-US" sz="3200" kern="1200" dirty="0" err="1">
+                <a:latin typeface="+mj-lt"/>
+                <a:ea typeface="+mj-ea"/>
+                <a:cs typeface="+mj-cs"/>
+              </a:rPr>
+              <a:t>voorbeelden</a:t>
+            </a:r>
+            <a:endParaRPr lang="en-US" sz="3200" kern="1200" dirty="0">
+              <a:latin typeface="+mj-lt"/>
+              <a:ea typeface="+mj-ea"/>
+              <a:cs typeface="+mj-cs"/>
+            </a:endParaRPr>
           </a:p>
         </p:txBody>
       </p:sp>
